--- a/Add – On System.pptx
+++ b/Add – On System.pptx
@@ -122,6 +122,11 @@
       </a:defRPr>
     </a:lvl9pPr>
   </p:defaultTextStyle>
+  <p:extLst>
+    <p:ext uri="{EFAFB233-063F-42B5-8137-9DF3F51BA10A}">
+      <p15:sldGuideLst xmlns:p15="http://schemas.microsoft.com/office/powerpoint/2012/main"/>
+    </p:ext>
+  </p:extLst>
 </p:presentation>
 </file>
 
@@ -272,7 +277,7 @@
           <a:p>
             <a:fld id="{62D6E202-B606-4609-B914-27C9371A1F6D}" type="datetime1">
               <a:rPr lang="en-US" smtClean="0"/>
-              <a:t>12/5/2019</a:t>
+              <a:t>12/6/2019</a:t>
             </a:fld>
             <a:endParaRPr lang="en-US" dirty="0"/>
           </a:p>
@@ -471,7 +476,7 @@
           <a:p>
             <a:fld id="{62D6E202-B606-4609-B914-27C9371A1F6D}" type="datetime1">
               <a:rPr lang="en-US" smtClean="0"/>
-              <a:t>12/5/2019</a:t>
+              <a:t>12/6/2019</a:t>
             </a:fld>
             <a:endParaRPr lang="en-US" dirty="0"/>
           </a:p>
@@ -680,7 +685,7 @@
           <a:p>
             <a:fld id="{62D6E202-B606-4609-B914-27C9371A1F6D}" type="datetime1">
               <a:rPr lang="en-US" smtClean="0"/>
-              <a:t>12/5/2019</a:t>
+              <a:t>12/6/2019</a:t>
             </a:fld>
             <a:endParaRPr lang="en-US" dirty="0"/>
           </a:p>
@@ -879,7 +884,7 @@
           <a:p>
             <a:fld id="{62D6E202-B606-4609-B914-27C9371A1F6D}" type="datetime1">
               <a:rPr lang="en-US" smtClean="0"/>
-              <a:t>12/5/2019</a:t>
+              <a:t>12/6/2019</a:t>
             </a:fld>
             <a:endParaRPr lang="en-US" dirty="0"/>
           </a:p>
@@ -1155,7 +1160,7 @@
           <a:p>
             <a:fld id="{62D6E202-B606-4609-B914-27C9371A1F6D}" type="datetime1">
               <a:rPr lang="en-US" smtClean="0"/>
-              <a:t>12/5/2019</a:t>
+              <a:t>12/6/2019</a:t>
             </a:fld>
             <a:endParaRPr lang="en-US" dirty="0"/>
           </a:p>
@@ -1421,7 +1426,7 @@
           <a:p>
             <a:fld id="{62D6E202-B606-4609-B914-27C9371A1F6D}" type="datetime1">
               <a:rPr lang="en-US" smtClean="0"/>
-              <a:t>12/5/2019</a:t>
+              <a:t>12/6/2019</a:t>
             </a:fld>
             <a:endParaRPr lang="en-US" dirty="0"/>
           </a:p>
@@ -1834,7 +1839,7 @@
           <a:p>
             <a:fld id="{62D6E202-B606-4609-B914-27C9371A1F6D}" type="datetime1">
               <a:rPr lang="en-US" smtClean="0"/>
-              <a:t>12/5/2019</a:t>
+              <a:t>12/6/2019</a:t>
             </a:fld>
             <a:endParaRPr lang="en-US" dirty="0"/>
           </a:p>
@@ -1976,7 +1981,7 @@
           <a:p>
             <a:fld id="{62D6E202-B606-4609-B914-27C9371A1F6D}" type="datetime1">
               <a:rPr lang="en-US" smtClean="0"/>
-              <a:t>12/5/2019</a:t>
+              <a:t>12/6/2019</a:t>
             </a:fld>
             <a:endParaRPr lang="en-US" dirty="0"/>
           </a:p>
@@ -2090,7 +2095,7 @@
           <a:p>
             <a:fld id="{62D6E202-B606-4609-B914-27C9371A1F6D}" type="datetime1">
               <a:rPr lang="en-US" smtClean="0"/>
-              <a:t>12/5/2019</a:t>
+              <a:t>12/6/2019</a:t>
             </a:fld>
             <a:endParaRPr lang="en-US" dirty="0"/>
           </a:p>
@@ -2402,7 +2407,7 @@
           <a:p>
             <a:fld id="{62D6E202-B606-4609-B914-27C9371A1F6D}" type="datetime1">
               <a:rPr lang="en-US" smtClean="0"/>
-              <a:t>12/5/2019</a:t>
+              <a:t>12/6/2019</a:t>
             </a:fld>
             <a:endParaRPr lang="en-US" dirty="0"/>
           </a:p>
@@ -2691,7 +2696,7 @@
           <a:p>
             <a:fld id="{62D6E202-B606-4609-B914-27C9371A1F6D}" type="datetime1">
               <a:rPr lang="en-US" smtClean="0"/>
-              <a:t>12/5/2019</a:t>
+              <a:t>12/6/2019</a:t>
             </a:fld>
             <a:endParaRPr lang="en-US" dirty="0"/>
           </a:p>
@@ -2933,7 +2938,7 @@
           <a:p>
             <a:fld id="{62D6E202-B606-4609-B914-27C9371A1F6D}" type="datetime1">
               <a:rPr lang="en-US" smtClean="0"/>
-              <a:t>12/5/2019</a:t>
+              <a:t>12/6/2019</a:t>
             </a:fld>
             <a:endParaRPr lang="en-US" dirty="0"/>
           </a:p>
@@ -6610,12 +6615,52 @@
           </a:p>
         </p:txBody>
       </p:sp>
+      <p:sp>
+        <p:nvSpPr>
+          <p:cNvPr id="6" name="TextBox 5">
+            <a:extLst>
+              <a:ext uri="{FF2B5EF4-FFF2-40B4-BE49-F238E27FC236}">
+                <a16:creationId xmlns:a16="http://schemas.microsoft.com/office/drawing/2014/main" id="{39D0987D-6759-44E6-8668-C8081E8ABEE0}"/>
+              </a:ext>
+            </a:extLst>
+          </p:cNvPr>
+          <p:cNvSpPr txBox="1"/>
+          <p:nvPr/>
+        </p:nvSpPr>
+        <p:spPr>
+          <a:xfrm>
+            <a:off x="1148218" y="3532340"/>
+            <a:ext cx="2781822" cy="523220"/>
+          </a:xfrm>
+          <a:prstGeom prst="rect">
+            <a:avLst/>
+          </a:prstGeom>
+          <a:noFill/>
+        </p:spPr>
+        <p:txBody>
+          <a:bodyPr wrap="square" rtlCol="0">
+            <a:spAutoFit/>
+          </a:bodyPr>
+          <a:lstStyle/>
+          <a:p>
+            <a:r>
+              <a:rPr lang="en-US" altLang="ko-KR" sz="2800" b="1" dirty="0"/>
+              <a:t>+ </a:t>
+            </a:r>
+            <a:r>
+              <a:rPr lang="en-US" altLang="ko-KR" sz="2800" b="1" dirty="0" err="1"/>
+              <a:t>Astar</a:t>
+            </a:r>
+            <a:endParaRPr lang="en-US" altLang="ko-KR" sz="2800" b="1" dirty="0"/>
+          </a:p>
+        </p:txBody>
+      </p:sp>
       <p:pic>
         <p:nvPicPr>
-          <p:cNvPr id="4" name="그림 3" descr="텍스트, 하얀색, 대형, 테이블이(가) 표시된 사진&#10;&#10;자동 생성된 설명">
-            <a:extLst>
-              <a:ext uri="{FF2B5EF4-FFF2-40B4-BE49-F238E27FC236}">
-                <a16:creationId xmlns:a16="http://schemas.microsoft.com/office/drawing/2014/main" id="{8D5099EE-C85B-488F-B16C-BEA42A6C7EAF}"/>
+          <p:cNvPr id="5" name="그림 4" descr="텍스트, 모니터, 컴퓨터, 대형이(가) 표시된 사진&#10;&#10;자동 생성된 설명">
+            <a:extLst>
+              <a:ext uri="{FF2B5EF4-FFF2-40B4-BE49-F238E27FC236}">
+                <a16:creationId xmlns:a16="http://schemas.microsoft.com/office/drawing/2014/main" id="{1AAADBED-64E1-43DE-95B5-2221D2054626}"/>
               </a:ext>
             </a:extLst>
           </p:cNvPr>
@@ -6638,54 +6683,14 @@
         </p:blipFill>
         <p:spPr>
           <a:xfrm>
-            <a:off x="4409162" y="136956"/>
-            <a:ext cx="7480503" cy="6540507"/>
+            <a:off x="3838575" y="28575"/>
+            <a:ext cx="8153399" cy="6858000"/>
           </a:xfrm>
           <a:prstGeom prst="rect">
             <a:avLst/>
           </a:prstGeom>
         </p:spPr>
       </p:pic>
-      <p:sp>
-        <p:nvSpPr>
-          <p:cNvPr id="6" name="TextBox 5">
-            <a:extLst>
-              <a:ext uri="{FF2B5EF4-FFF2-40B4-BE49-F238E27FC236}">
-                <a16:creationId xmlns:a16="http://schemas.microsoft.com/office/drawing/2014/main" id="{39D0987D-6759-44E6-8668-C8081E8ABEE0}"/>
-              </a:ext>
-            </a:extLst>
-          </p:cNvPr>
-          <p:cNvSpPr txBox="1"/>
-          <p:nvPr/>
-        </p:nvSpPr>
-        <p:spPr>
-          <a:xfrm>
-            <a:off x="1148218" y="3532340"/>
-            <a:ext cx="2781822" cy="523220"/>
-          </a:xfrm>
-          <a:prstGeom prst="rect">
-            <a:avLst/>
-          </a:prstGeom>
-          <a:noFill/>
-        </p:spPr>
-        <p:txBody>
-          <a:bodyPr wrap="square" rtlCol="0">
-            <a:spAutoFit/>
-          </a:bodyPr>
-          <a:lstStyle/>
-          <a:p>
-            <a:r>
-              <a:rPr lang="en-US" altLang="ko-KR" sz="2800" b="1" dirty="0"/>
-              <a:t>+ </a:t>
-            </a:r>
-            <a:r>
-              <a:rPr lang="en-US" altLang="ko-KR" sz="2800" b="1" dirty="0" err="1"/>
-              <a:t>Astar</a:t>
-            </a:r>
-            <a:endParaRPr lang="en-US" altLang="ko-KR" sz="2800" b="1" dirty="0"/>
-          </a:p>
-        </p:txBody>
-      </p:sp>
     </p:spTree>
     <p:extLst>
       <p:ext uri="{BB962C8B-B14F-4D97-AF65-F5344CB8AC3E}">

--- a/Add – On System.pptx
+++ b/Add – On System.pptx
@@ -6657,10 +6657,10 @@
       </p:sp>
       <p:pic>
         <p:nvPicPr>
-          <p:cNvPr id="5" name="그림 4" descr="텍스트, 모니터, 컴퓨터, 대형이(가) 표시된 사진&#10;&#10;자동 생성된 설명">
-            <a:extLst>
-              <a:ext uri="{FF2B5EF4-FFF2-40B4-BE49-F238E27FC236}">
-                <a16:creationId xmlns:a16="http://schemas.microsoft.com/office/drawing/2014/main" id="{1AAADBED-64E1-43DE-95B5-2221D2054626}"/>
+          <p:cNvPr id="4" name="그림 3" descr="텍스트, 컴퓨터, 개, 테이블이(가) 표시된 사진&#10;&#10;자동 생성된 설명">
+            <a:extLst>
+              <a:ext uri="{FF2B5EF4-FFF2-40B4-BE49-F238E27FC236}">
+                <a16:creationId xmlns:a16="http://schemas.microsoft.com/office/drawing/2014/main" id="{F9EFEEED-D402-400F-AB18-536CCF0BB84D}"/>
               </a:ext>
             </a:extLst>
           </p:cNvPr>
@@ -6683,8 +6683,8 @@
         </p:blipFill>
         <p:spPr>
           <a:xfrm>
-            <a:off x="3838575" y="28575"/>
-            <a:ext cx="8153399" cy="6858000"/>
+            <a:off x="3491888" y="0"/>
+            <a:ext cx="7551893" cy="6858000"/>
           </a:xfrm>
           <a:prstGeom prst="rect">
             <a:avLst/>

--- a/Add – On System.pptx
+++ b/Add – On System.pptx
@@ -5492,10 +5492,10 @@
       </p:sp>
       <p:pic>
         <p:nvPicPr>
-          <p:cNvPr id="3" name="그림 2">
-            <a:extLst>
-              <a:ext uri="{FF2B5EF4-FFF2-40B4-BE49-F238E27FC236}">
-                <a16:creationId xmlns:a16="http://schemas.microsoft.com/office/drawing/2014/main" id="{FEFE57FE-1DBD-43E6-A48D-71C0534C510E}"/>
+          <p:cNvPr id="4" name="그림 3">
+            <a:extLst>
+              <a:ext uri="{FF2B5EF4-FFF2-40B4-BE49-F238E27FC236}">
+                <a16:creationId xmlns:a16="http://schemas.microsoft.com/office/drawing/2014/main" id="{D89F13F0-AB9B-432C-AAA0-757F553587CD}"/>
               </a:ext>
             </a:extLst>
           </p:cNvPr>
@@ -5512,8 +5512,8 @@
         </p:blipFill>
         <p:spPr>
           <a:xfrm>
-            <a:off x="5153822" y="524836"/>
-            <a:ext cx="6553545" cy="5816270"/>
+            <a:off x="5443809" y="1029939"/>
+            <a:ext cx="6298878" cy="3839241"/>
           </a:xfrm>
           <a:prstGeom prst="rect">
             <a:avLst/>
